--- a/Submissions/Dragons Den Pitch/Bhaven Patel DD Pitch.pptx
+++ b/Submissions/Dragons Den Pitch/Bhaven Patel DD Pitch.pptx
@@ -193,7 +193,7 @@
             <a:fld id="{40DE2AF3-D3AF-4A03-A209-B7AB3FBB0B1D}" type="datetimeFigureOut">
               <a:rPr lang="en-US" smtClean="0"/>
               <a:pPr/>
-              <a:t>11/13/2019</a:t>
+              <a:t>11/14/2019</a:t>
             </a:fld>
             <a:endParaRPr lang="en-GB"/>
           </a:p>
@@ -808,7 +808,7 @@
             <a:fld id="{6296F0A8-CC51-48EC-9789-803E166570BF}" type="datetimeFigureOut">
               <a:rPr lang="en-US" smtClean="0"/>
               <a:pPr/>
-              <a:t>11/13/2019</a:t>
+              <a:t>11/14/2019</a:t>
             </a:fld>
             <a:endParaRPr lang="en-GB"/>
           </a:p>
@@ -975,7 +975,7 @@
             <a:fld id="{6296F0A8-CC51-48EC-9789-803E166570BF}" type="datetimeFigureOut">
               <a:rPr lang="en-US" smtClean="0"/>
               <a:pPr/>
-              <a:t>11/13/2019</a:t>
+              <a:t>11/14/2019</a:t>
             </a:fld>
             <a:endParaRPr lang="en-GB"/>
           </a:p>
@@ -1152,7 +1152,7 @@
             <a:fld id="{6296F0A8-CC51-48EC-9789-803E166570BF}" type="datetimeFigureOut">
               <a:rPr lang="en-US" smtClean="0"/>
               <a:pPr/>
-              <a:t>11/13/2019</a:t>
+              <a:t>11/14/2019</a:t>
             </a:fld>
             <a:endParaRPr lang="en-GB"/>
           </a:p>
@@ -1319,7 +1319,7 @@
             <a:fld id="{6296F0A8-CC51-48EC-9789-803E166570BF}" type="datetimeFigureOut">
               <a:rPr lang="en-US" smtClean="0"/>
               <a:pPr/>
-              <a:t>11/13/2019</a:t>
+              <a:t>11/14/2019</a:t>
             </a:fld>
             <a:endParaRPr lang="en-GB"/>
           </a:p>
@@ -1562,7 +1562,7 @@
             <a:fld id="{6296F0A8-CC51-48EC-9789-803E166570BF}" type="datetimeFigureOut">
               <a:rPr lang="en-US" smtClean="0"/>
               <a:pPr/>
-              <a:t>11/13/2019</a:t>
+              <a:t>11/14/2019</a:t>
             </a:fld>
             <a:endParaRPr lang="en-GB"/>
           </a:p>
@@ -1847,7 +1847,7 @@
             <a:fld id="{6296F0A8-CC51-48EC-9789-803E166570BF}" type="datetimeFigureOut">
               <a:rPr lang="en-US" smtClean="0"/>
               <a:pPr/>
-              <a:t>11/13/2019</a:t>
+              <a:t>11/14/2019</a:t>
             </a:fld>
             <a:endParaRPr lang="en-GB"/>
           </a:p>
@@ -2266,7 +2266,7 @@
             <a:fld id="{6296F0A8-CC51-48EC-9789-803E166570BF}" type="datetimeFigureOut">
               <a:rPr lang="en-US" smtClean="0"/>
               <a:pPr/>
-              <a:t>11/13/2019</a:t>
+              <a:t>11/14/2019</a:t>
             </a:fld>
             <a:endParaRPr lang="en-GB"/>
           </a:p>
@@ -2381,7 +2381,7 @@
             <a:fld id="{6296F0A8-CC51-48EC-9789-803E166570BF}" type="datetimeFigureOut">
               <a:rPr lang="en-US" smtClean="0"/>
               <a:pPr/>
-              <a:t>11/13/2019</a:t>
+              <a:t>11/14/2019</a:t>
             </a:fld>
             <a:endParaRPr lang="en-GB"/>
           </a:p>
@@ -2473,7 +2473,7 @@
             <a:fld id="{6296F0A8-CC51-48EC-9789-803E166570BF}" type="datetimeFigureOut">
               <a:rPr lang="en-US" smtClean="0"/>
               <a:pPr/>
-              <a:t>11/13/2019</a:t>
+              <a:t>11/14/2019</a:t>
             </a:fld>
             <a:endParaRPr lang="en-GB"/>
           </a:p>
@@ -2747,7 +2747,7 @@
             <a:fld id="{6296F0A8-CC51-48EC-9789-803E166570BF}" type="datetimeFigureOut">
               <a:rPr lang="en-US" smtClean="0"/>
               <a:pPr/>
-              <a:t>11/13/2019</a:t>
+              <a:t>11/14/2019</a:t>
             </a:fld>
             <a:endParaRPr lang="en-GB"/>
           </a:p>
@@ -2997,7 +2997,7 @@
             <a:fld id="{6296F0A8-CC51-48EC-9789-803E166570BF}" type="datetimeFigureOut">
               <a:rPr lang="en-US" smtClean="0"/>
               <a:pPr/>
-              <a:t>11/13/2019</a:t>
+              <a:t>11/14/2019</a:t>
             </a:fld>
             <a:endParaRPr lang="en-GB"/>
           </a:p>
@@ -3207,7 +3207,7 @@
             <a:fld id="{6296F0A8-CC51-48EC-9789-803E166570BF}" type="datetimeFigureOut">
               <a:rPr lang="en-US" smtClean="0"/>
               <a:pPr/>
-              <a:t>11/13/2019</a:t>
+              <a:t>11/14/2019</a:t>
             </a:fld>
             <a:endParaRPr lang="en-GB"/>
           </a:p>
